--- a/Hyland Hackathon/LogCat_Wizard_Health_App.pptx
+++ b/Hyland Hackathon/LogCat_Wizard_Health_App.pptx
@@ -11,15 +11,15 @@
     <p:sldId id="267" r:id="rId5"/>
     <p:sldId id="260" r:id="rId6"/>
     <p:sldId id="263" r:id="rId7"/>
-    <p:sldId id="269" r:id="rId8"/>
-    <p:sldId id="272" r:id="rId9"/>
-    <p:sldId id="266" r:id="rId10"/>
-    <p:sldId id="265" r:id="rId11"/>
-    <p:sldId id="264" r:id="rId12"/>
-    <p:sldId id="271" r:id="rId13"/>
-    <p:sldId id="268" r:id="rId14"/>
-    <p:sldId id="273" r:id="rId15"/>
-    <p:sldId id="261" r:id="rId16"/>
+    <p:sldId id="266" r:id="rId8"/>
+    <p:sldId id="265" r:id="rId9"/>
+    <p:sldId id="264" r:id="rId10"/>
+    <p:sldId id="271" r:id="rId11"/>
+    <p:sldId id="261" r:id="rId12"/>
+    <p:sldId id="269" r:id="rId13"/>
+    <p:sldId id="272" r:id="rId14"/>
+    <p:sldId id="268" r:id="rId15"/>
+    <p:sldId id="273" r:id="rId16"/>
     <p:sldId id="274" r:id="rId17"/>
     <p:sldId id="262" r:id="rId18"/>
   </p:sldIdLst>
@@ -5942,7 +5942,7 @@
       </p:grpSpPr>
       <p:sp>
         <p:nvSpPr>
-          <p:cNvPr id="3" name="Title 2"/>
+          <p:cNvPr id="2" name="Title 1"/>
           <p:cNvSpPr>
             <a:spLocks noGrp="1"/>
           </p:cNvSpPr>
@@ -5950,26 +5950,21 @@
             <p:ph type="title"/>
           </p:nvPr>
         </p:nvSpPr>
-        <p:spPr>
-          <a:xfrm>
-            <a:off x="358945" y="265629"/>
-            <a:ext cx="8596668" cy="1320800"/>
-          </a:xfrm>
-        </p:spPr>
+        <p:spPr/>
         <p:txBody>
           <a:bodyPr/>
           <a:lstStyle/>
           <a:p>
             <a:r>
               <a:rPr lang="en-US" dirty="0"/>
-              <a:t>Market place </a:t>
+              <a:t>Social platform</a:t>
             </a:r>
           </a:p>
         </p:txBody>
       </p:sp>
       <p:pic>
         <p:nvPicPr>
-          <p:cNvPr id="5" name="Content Placeholder 4"/>
+          <p:cNvPr id="4" name="Content Placeholder 3"/>
           <p:cNvPicPr>
             <a:picLocks noGrp="1" noChangeAspect="1"/>
           </p:cNvPicPr>
@@ -5991,21 +5986,21 @@
         </p:blipFill>
         <p:spPr>
           <a:xfrm>
-            <a:off x="1037138" y="1295622"/>
-            <a:ext cx="5299112" cy="5588000"/>
+            <a:off x="1673262" y="1366091"/>
+            <a:ext cx="3283026" cy="5255046"/>
           </a:xfrm>
         </p:spPr>
       </p:pic>
       <p:sp>
         <p:nvSpPr>
-          <p:cNvPr id="4" name="TextBox 3"/>
+          <p:cNvPr id="8" name="TextBox 7"/>
           <p:cNvSpPr txBox="1"/>
           <p:nvPr/>
         </p:nvSpPr>
         <p:spPr>
           <a:xfrm>
-            <a:off x="8195449" y="1096879"/>
-            <a:ext cx="1520328" cy="369332"/>
+            <a:off x="3489492" y="1454666"/>
+            <a:ext cx="892366" cy="230832"/>
           </a:xfrm>
           <a:prstGeom prst="rect">
             <a:avLst/>
@@ -6020,37 +6015,7 @@
           <a:p>
             <a:pPr algn="ctr"/>
             <a:r>
-              <a:rPr lang="en-US" u="sng" dirty="0"/>
-              <a:t>Demo</a:t>
-            </a:r>
-          </a:p>
-        </p:txBody>
-      </p:sp>
-      <p:sp>
-        <p:nvSpPr>
-          <p:cNvPr id="6" name="TextBox 5"/>
-          <p:cNvSpPr txBox="1"/>
-          <p:nvPr/>
-        </p:nvSpPr>
-        <p:spPr>
-          <a:xfrm>
-            <a:off x="2390661" y="1212295"/>
-            <a:ext cx="892366" cy="253916"/>
-          </a:xfrm>
-          <a:prstGeom prst="rect">
-            <a:avLst/>
-          </a:prstGeom>
-          <a:noFill/>
-        </p:spPr>
-        <p:txBody>
-          <a:bodyPr wrap="square" rtlCol="0">
-            <a:spAutoFit/>
-          </a:bodyPr>
-          <a:lstStyle/>
-          <a:p>
-            <a:pPr algn="ctr"/>
-            <a:r>
-              <a:rPr lang="en-US" sz="1050" u="sng" dirty="0"/>
+              <a:rPr lang="en-US" sz="900" u="sng" dirty="0"/>
               <a:t>Algorithm</a:t>
             </a:r>
           </a:p>
@@ -6059,7 +6024,7 @@
     </p:spTree>
     <p:extLst>
       <p:ext uri="{BB962C8B-B14F-4D97-AF65-F5344CB8AC3E}">
-        <p14:creationId xmlns:p14="http://schemas.microsoft.com/office/powerpoint/2010/main" val="886100685"/>
+        <p14:creationId xmlns:p14="http://schemas.microsoft.com/office/powerpoint/2010/main" val="1931892455"/>
       </p:ext>
     </p:extLst>
   </p:cSld>
@@ -6103,44 +6068,49 @@
           <a:p>
             <a:r>
               <a:rPr lang="en-US" dirty="0"/>
-              <a:t>Test results algorithm</a:t>
-            </a:r>
-          </a:p>
-        </p:txBody>
-      </p:sp>
-      <p:pic>
-        <p:nvPicPr>
-          <p:cNvPr id="4" name="Content Placeholder 3"/>
-          <p:cNvPicPr>
-            <a:picLocks noGrp="1" noChangeAspect="1"/>
-          </p:cNvPicPr>
+              <a:t>Tech Stack used</a:t>
+            </a:r>
+          </a:p>
+        </p:txBody>
+      </p:sp>
+      <p:sp>
+        <p:nvSpPr>
+          <p:cNvPr id="3" name="Content Placeholder 2"/>
+          <p:cNvSpPr>
+            <a:spLocks noGrp="1"/>
+          </p:cNvSpPr>
           <p:nvPr>
             <p:ph idx="1"/>
           </p:nvPr>
-        </p:nvPicPr>
-        <p:blipFill>
-          <a:blip r:embed="rId2" cstate="print">
-            <a:extLst>
-              <a:ext uri="{28A0092B-C50C-407E-A947-70E740481C1C}">
-                <a14:useLocalDpi xmlns:a14="http://schemas.microsoft.com/office/drawing/2010/main" val="0"/>
-              </a:ext>
-            </a:extLst>
-          </a:blip>
-          <a:stretch>
-            <a:fillRect/>
-          </a:stretch>
-        </p:blipFill>
-        <p:spPr>
-          <a:xfrm>
-            <a:off x="1945670" y="1270000"/>
-            <a:ext cx="3029998" cy="5588000"/>
-          </a:xfrm>
-        </p:spPr>
-      </p:pic>
+        </p:nvSpPr>
+        <p:spPr/>
+        <p:txBody>
+          <a:bodyPr/>
+          <a:lstStyle/>
+          <a:p>
+            <a:r>
+              <a:rPr lang="en-US" dirty="0"/>
+              <a:t>Programming language - Java</a:t>
+            </a:r>
+          </a:p>
+          <a:p>
+            <a:r>
+              <a:rPr lang="en-US" dirty="0"/>
+              <a:t>IDE - Android Studio</a:t>
+            </a:r>
+          </a:p>
+          <a:p>
+            <a:r>
+              <a:rPr lang="en-US" dirty="0"/>
+              <a:t>Database - Firebase by Google</a:t>
+            </a:r>
+          </a:p>
+        </p:txBody>
+      </p:sp>
     </p:spTree>
     <p:extLst>
       <p:ext uri="{BB962C8B-B14F-4D97-AF65-F5344CB8AC3E}">
-        <p14:creationId xmlns:p14="http://schemas.microsoft.com/office/powerpoint/2010/main" val="3797140197"/>
+        <p14:creationId xmlns:p14="http://schemas.microsoft.com/office/powerpoint/2010/main" val="1629973222"/>
       </p:ext>
     </p:extLst>
   </p:cSld>
@@ -6184,23 +6154,140 @@
           <a:p>
             <a:r>
               <a:rPr lang="en-US" dirty="0"/>
-              <a:t>Social platform</a:t>
+              <a:t>Login/Sign up screenshots</a:t>
+            </a:r>
+          </a:p>
+        </p:txBody>
+      </p:sp>
+      <p:cxnSp>
+        <p:nvCxnSpPr>
+          <p:cNvPr id="10" name="Straight Arrow Connector 9"/>
+          <p:cNvCxnSpPr/>
+          <p:nvPr/>
+        </p:nvCxnSpPr>
+        <p:spPr>
+          <a:xfrm flipV="1">
+            <a:off x="2260884" y="3854788"/>
+            <a:ext cx="374663" cy="15635"/>
+          </a:xfrm>
+          <a:prstGeom prst="straightConnector1">
+            <a:avLst/>
+          </a:prstGeom>
+          <a:ln>
+            <a:tailEnd type="triangle"/>
+          </a:ln>
+        </p:spPr>
+        <p:style>
+          <a:lnRef idx="1">
+            <a:schemeClr val="accent1"/>
+          </a:lnRef>
+          <a:fillRef idx="0">
+            <a:schemeClr val="accent1"/>
+          </a:fillRef>
+          <a:effectRef idx="0">
+            <a:schemeClr val="accent1"/>
+          </a:effectRef>
+          <a:fontRef idx="minor">
+            <a:schemeClr val="tx1"/>
+          </a:fontRef>
+        </p:style>
+      </p:cxnSp>
+      <p:cxnSp>
+        <p:nvCxnSpPr>
+          <p:cNvPr id="12" name="Straight Arrow Connector 11"/>
+          <p:cNvCxnSpPr/>
+          <p:nvPr/>
+        </p:nvCxnSpPr>
+        <p:spPr>
+          <a:xfrm>
+            <a:off x="4878943" y="3878241"/>
+            <a:ext cx="298985" cy="6095"/>
+          </a:xfrm>
+          <a:prstGeom prst="straightConnector1">
+            <a:avLst/>
+          </a:prstGeom>
+          <a:ln>
+            <a:tailEnd type="triangle"/>
+          </a:ln>
+        </p:spPr>
+        <p:style>
+          <a:lnRef idx="1">
+            <a:schemeClr val="accent1"/>
+          </a:lnRef>
+          <a:fillRef idx="0">
+            <a:schemeClr val="accent1"/>
+          </a:fillRef>
+          <a:effectRef idx="0">
+            <a:schemeClr val="accent1"/>
+          </a:effectRef>
+          <a:fontRef idx="minor">
+            <a:schemeClr val="tx1"/>
+          </a:fontRef>
+        </p:style>
+      </p:cxnSp>
+      <p:sp>
+        <p:nvSpPr>
+          <p:cNvPr id="13" name="TextBox 12"/>
+          <p:cNvSpPr txBox="1"/>
+          <p:nvPr/>
+        </p:nvSpPr>
+        <p:spPr>
+          <a:xfrm>
+            <a:off x="7175079" y="3588162"/>
+            <a:ext cx="426151" cy="369332"/>
+          </a:xfrm>
+          <a:prstGeom prst="rect">
+            <a:avLst/>
+          </a:prstGeom>
+          <a:noFill/>
+        </p:spPr>
+        <p:txBody>
+          <a:bodyPr wrap="square" rtlCol="0">
+            <a:spAutoFit/>
+          </a:bodyPr>
+          <a:lstStyle/>
+          <a:p>
+            <a:r>
+              <a:rPr lang="en-US" dirty="0"/>
+              <a:t>or</a:t>
             </a:r>
           </a:p>
         </p:txBody>
       </p:sp>
       <p:pic>
         <p:nvPicPr>
-          <p:cNvPr id="4" name="Content Placeholder 3"/>
+          <p:cNvPr id="18" name="Picture 17"/>
           <p:cNvPicPr>
-            <a:picLocks noGrp="1" noChangeAspect="1"/>
+            <a:picLocks noChangeAspect="1"/>
           </p:cNvPicPr>
-          <p:nvPr>
-            <p:ph idx="1"/>
-          </p:nvPr>
+          <p:nvPr/>
         </p:nvPicPr>
         <p:blipFill>
-          <a:blip r:embed="rId2" cstate="print">
+          <a:blip r:embed="rId2"/>
+          <a:stretch>
+            <a:fillRect/>
+          </a:stretch>
+        </p:blipFill>
+        <p:spPr>
+          <a:xfrm>
+            <a:off x="9565658" y="3719731"/>
+            <a:ext cx="384081" cy="158510"/>
+          </a:xfrm>
+          <a:prstGeom prst="rect">
+            <a:avLst/>
+          </a:prstGeom>
+        </p:spPr>
+      </p:pic>
+      <p:pic>
+        <p:nvPicPr>
+          <p:cNvPr id="3" name="Picture 2"/>
+          <p:cNvPicPr>
+            <a:picLocks noChangeAspect="1"/>
+          </p:cNvPicPr>
+          <p:nvPr/>
+        </p:nvPicPr>
+        <p:blipFill>
+          <a:blip r:embed="rId3" cstate="print">
             <a:extLst>
               <a:ext uri="{28A0092B-C50C-407E-A947-70E740481C1C}">
                 <a14:useLocalDpi xmlns:a14="http://schemas.microsoft.com/office/drawing/2010/main" val="0"/>
@@ -6213,45 +6300,138 @@
         </p:blipFill>
         <p:spPr>
           <a:xfrm>
-            <a:off x="1673262" y="1366091"/>
-            <a:ext cx="3283026" cy="5255046"/>
-          </a:xfrm>
-        </p:spPr>
-      </p:pic>
-      <p:sp>
-        <p:nvSpPr>
-          <p:cNvPr id="8" name="TextBox 7"/>
-          <p:cNvSpPr txBox="1"/>
-          <p:nvPr/>
-        </p:nvSpPr>
-        <p:spPr>
-          <a:xfrm>
-            <a:off x="3489492" y="1454666"/>
-            <a:ext cx="892366" cy="230832"/>
+            <a:off x="202340" y="1979478"/>
+            <a:ext cx="2106648" cy="3797525"/>
           </a:xfrm>
           <a:prstGeom prst="rect">
             <a:avLst/>
           </a:prstGeom>
-          <a:noFill/>
-        </p:spPr>
-        <p:txBody>
-          <a:bodyPr wrap="square" rtlCol="0">
-            <a:spAutoFit/>
-          </a:bodyPr>
-          <a:lstStyle/>
-          <a:p>
-            <a:pPr algn="ctr"/>
-            <a:r>
-              <a:rPr lang="en-US" sz="900" u="sng" dirty="0"/>
-              <a:t>Algorithm</a:t>
-            </a:r>
-          </a:p>
-        </p:txBody>
-      </p:sp>
+        </p:spPr>
+      </p:pic>
+      <p:pic>
+        <p:nvPicPr>
+          <p:cNvPr id="9" name="Picture 8"/>
+          <p:cNvPicPr>
+            <a:picLocks noChangeAspect="1"/>
+          </p:cNvPicPr>
+          <p:nvPr/>
+        </p:nvPicPr>
+        <p:blipFill>
+          <a:blip r:embed="rId4" cstate="print">
+            <a:extLst>
+              <a:ext uri="{28A0092B-C50C-407E-A947-70E740481C1C}">
+                <a14:useLocalDpi xmlns:a14="http://schemas.microsoft.com/office/drawing/2010/main" val="0"/>
+              </a:ext>
+            </a:extLst>
+          </a:blip>
+          <a:stretch>
+            <a:fillRect/>
+          </a:stretch>
+        </p:blipFill>
+        <p:spPr>
+          <a:xfrm>
+            <a:off x="2714126" y="1979478"/>
+            <a:ext cx="2104365" cy="3797525"/>
+          </a:xfrm>
+          <a:prstGeom prst="rect">
+            <a:avLst/>
+          </a:prstGeom>
+        </p:spPr>
+      </p:pic>
+      <p:pic>
+        <p:nvPicPr>
+          <p:cNvPr id="11" name="Picture 10"/>
+          <p:cNvPicPr>
+            <a:picLocks noChangeAspect="1"/>
+          </p:cNvPicPr>
+          <p:nvPr/>
+        </p:nvPicPr>
+        <p:blipFill>
+          <a:blip r:embed="rId5" cstate="print">
+            <a:extLst>
+              <a:ext uri="{28A0092B-C50C-407E-A947-70E740481C1C}">
+                <a14:useLocalDpi xmlns:a14="http://schemas.microsoft.com/office/drawing/2010/main" val="0"/>
+              </a:ext>
+            </a:extLst>
+          </a:blip>
+          <a:stretch>
+            <a:fillRect/>
+          </a:stretch>
+        </p:blipFill>
+        <p:spPr>
+          <a:xfrm>
+            <a:off x="5219029" y="1934731"/>
+            <a:ext cx="1956050" cy="3840114"/>
+          </a:xfrm>
+          <a:prstGeom prst="rect">
+            <a:avLst/>
+          </a:prstGeom>
+        </p:spPr>
+      </p:pic>
+      <p:pic>
+        <p:nvPicPr>
+          <p:cNvPr id="14" name="Picture 13"/>
+          <p:cNvPicPr>
+            <a:picLocks noChangeAspect="1"/>
+          </p:cNvPicPr>
+          <p:nvPr/>
+        </p:nvPicPr>
+        <p:blipFill>
+          <a:blip r:embed="rId6" cstate="print">
+            <a:extLst>
+              <a:ext uri="{28A0092B-C50C-407E-A947-70E740481C1C}">
+                <a14:useLocalDpi xmlns:a14="http://schemas.microsoft.com/office/drawing/2010/main" val="0"/>
+              </a:ext>
+            </a:extLst>
+          </a:blip>
+          <a:stretch>
+            <a:fillRect/>
+          </a:stretch>
+        </p:blipFill>
+        <p:spPr>
+          <a:xfrm>
+            <a:off x="7601230" y="1930400"/>
+            <a:ext cx="1891370" cy="3767042"/>
+          </a:xfrm>
+          <a:prstGeom prst="rect">
+            <a:avLst/>
+          </a:prstGeom>
+        </p:spPr>
+      </p:pic>
+      <p:pic>
+        <p:nvPicPr>
+          <p:cNvPr id="15" name="Picture 14"/>
+          <p:cNvPicPr>
+            <a:picLocks noChangeAspect="1"/>
+          </p:cNvPicPr>
+          <p:nvPr/>
+        </p:nvPicPr>
+        <p:blipFill>
+          <a:blip r:embed="rId7" cstate="print">
+            <a:extLst>
+              <a:ext uri="{28A0092B-C50C-407E-A947-70E740481C1C}">
+                <a14:useLocalDpi xmlns:a14="http://schemas.microsoft.com/office/drawing/2010/main" val="0"/>
+              </a:ext>
+            </a:extLst>
+          </a:blip>
+          <a:stretch>
+            <a:fillRect/>
+          </a:stretch>
+        </p:blipFill>
+        <p:spPr>
+          <a:xfrm>
+            <a:off x="10028318" y="1898196"/>
+            <a:ext cx="1913965" cy="3767042"/>
+          </a:xfrm>
+          <a:prstGeom prst="rect">
+            <a:avLst/>
+          </a:prstGeom>
+        </p:spPr>
+      </p:pic>
     </p:spTree>
     <p:extLst>
       <p:ext uri="{BB962C8B-B14F-4D97-AF65-F5344CB8AC3E}">
-        <p14:creationId xmlns:p14="http://schemas.microsoft.com/office/powerpoint/2010/main" val="1931892455"/>
+        <p14:creationId xmlns:p14="http://schemas.microsoft.com/office/powerpoint/2010/main" val="3768682560"/>
       </p:ext>
     </p:extLst>
   </p:cSld>
@@ -6295,21 +6475,23 @@
           <a:p>
             <a:r>
               <a:rPr lang="en-US" dirty="0"/>
-              <a:t>Some more app Mock-ups</a:t>
+              <a:t>App screenshots</a:t>
             </a:r>
           </a:p>
         </p:txBody>
       </p:sp>
       <p:pic>
         <p:nvPicPr>
-          <p:cNvPr id="3" name="Picture 2"/>
+          <p:cNvPr id="4" name="Content Placeholder 3"/>
           <p:cNvPicPr>
-            <a:picLocks noChangeAspect="1"/>
+            <a:picLocks noGrp="1" noChangeAspect="1"/>
           </p:cNvPicPr>
-          <p:nvPr/>
+          <p:nvPr>
+            <p:ph idx="1"/>
+          </p:nvPr>
         </p:nvPicPr>
         <p:blipFill>
-          <a:blip r:embed="rId2">
+          <a:blip r:embed="rId2" cstate="print">
             <a:extLst>
               <a:ext uri="{28A0092B-C50C-407E-A947-70E740481C1C}">
                 <a14:useLocalDpi xmlns:a14="http://schemas.microsoft.com/office/drawing/2010/main" val="0"/>
@@ -6322,24 +6504,21 @@
         </p:blipFill>
         <p:spPr>
           <a:xfrm>
-            <a:off x="503728" y="1930401"/>
-            <a:ext cx="2478795" cy="4267812"/>
-          </a:xfrm>
-          <a:prstGeom prst="rect">
-            <a:avLst/>
-          </a:prstGeom>
+            <a:off x="1336292" y="2237706"/>
+            <a:ext cx="1940718" cy="3881437"/>
+          </a:xfrm>
         </p:spPr>
       </p:pic>
       <p:pic>
         <p:nvPicPr>
-          <p:cNvPr id="4" name="Picture 3"/>
+          <p:cNvPr id="5" name="Picture 4"/>
           <p:cNvPicPr>
             <a:picLocks noChangeAspect="1"/>
           </p:cNvPicPr>
           <p:nvPr/>
         </p:nvPicPr>
         <p:blipFill>
-          <a:blip r:embed="rId3">
+          <a:blip r:embed="rId3" cstate="print">
             <a:extLst>
               <a:ext uri="{28A0092B-C50C-407E-A947-70E740481C1C}">
                 <a14:useLocalDpi xmlns:a14="http://schemas.microsoft.com/office/drawing/2010/main" val="0"/>
@@ -6352,24 +6531,90 @@
         </p:blipFill>
         <p:spPr>
           <a:xfrm>
-            <a:off x="7772887" y="1930400"/>
-            <a:ext cx="2435187" cy="4267813"/>
+            <a:off x="3957156" y="2250546"/>
+            <a:ext cx="2102290" cy="3865638"/>
           </a:xfrm>
           <a:prstGeom prst="rect">
             <a:avLst/>
           </a:prstGeom>
         </p:spPr>
       </p:pic>
+      <p:sp>
+        <p:nvSpPr>
+          <p:cNvPr id="6" name="TextBox 5"/>
+          <p:cNvSpPr txBox="1"/>
+          <p:nvPr/>
+        </p:nvSpPr>
+        <p:spPr>
+          <a:xfrm>
+            <a:off x="1465243" y="1745734"/>
+            <a:ext cx="1682816" cy="369332"/>
+          </a:xfrm>
+          <a:prstGeom prst="rect">
+            <a:avLst/>
+          </a:prstGeom>
+          <a:noFill/>
+        </p:spPr>
+        <p:txBody>
+          <a:bodyPr wrap="square" rtlCol="0">
+            <a:spAutoFit/>
+          </a:bodyPr>
+          <a:lstStyle/>
+          <a:p>
+            <a:pPr algn="ctr"/>
+            <a:r>
+              <a:rPr lang="en-US" u="sng" dirty="0"/>
+              <a:t>Profile section</a:t>
+            </a:r>
+          </a:p>
+        </p:txBody>
+      </p:sp>
+      <p:sp>
+        <p:nvSpPr>
+          <p:cNvPr id="7" name="TextBox 6"/>
+          <p:cNvSpPr txBox="1"/>
+          <p:nvPr/>
+        </p:nvSpPr>
+        <p:spPr>
+          <a:xfrm>
+            <a:off x="4044325" y="1714721"/>
+            <a:ext cx="1927953" cy="369332"/>
+          </a:xfrm>
+          <a:prstGeom prst="rect">
+            <a:avLst/>
+          </a:prstGeom>
+          <a:noFill/>
+        </p:spPr>
+        <p:txBody>
+          <a:bodyPr wrap="square" rtlCol="0">
+            <a:spAutoFit/>
+          </a:bodyPr>
+          <a:lstStyle/>
+          <a:p>
+            <a:pPr algn="ctr"/>
+            <a:r>
+              <a:rPr lang="en-US" u="sng" dirty="0"/>
+              <a:t>Doctor’s corner</a:t>
+            </a:r>
+          </a:p>
+        </p:txBody>
+      </p:sp>
       <p:pic>
         <p:nvPicPr>
-          <p:cNvPr id="5" name="Picture 4"/>
+          <p:cNvPr id="8" name="Picture 7">
+            <a:extLst>
+              <a:ext uri="{FF2B5EF4-FFF2-40B4-BE49-F238E27FC236}">
+                <a16:creationId xmlns:a16="http://schemas.microsoft.com/office/drawing/2014/main" id="{E4B6C7F5-8BE9-44ED-9CEE-EA1202577BCE}"/>
+              </a:ext>
+            </a:extLst>
+          </p:cNvPr>
           <p:cNvPicPr>
             <a:picLocks noChangeAspect="1"/>
           </p:cNvPicPr>
           <p:nvPr/>
         </p:nvPicPr>
         <p:blipFill>
-          <a:blip r:embed="rId4">
+          <a:blip r:embed="rId4" cstate="print">
             <a:extLst>
               <a:ext uri="{28A0092B-C50C-407E-A947-70E740481C1C}">
                 <a14:useLocalDpi xmlns:a14="http://schemas.microsoft.com/office/drawing/2010/main" val="0"/>
@@ -6382,8 +6627,8 @@
         </p:blipFill>
         <p:spPr>
           <a:xfrm>
-            <a:off x="4042475" y="1930400"/>
-            <a:ext cx="2534595" cy="4267813"/>
+            <a:off x="9274002" y="2234747"/>
+            <a:ext cx="2102290" cy="3667193"/>
           </a:xfrm>
           <a:prstGeom prst="rect">
             <a:avLst/>
@@ -6392,14 +6637,20 @@
       </p:pic>
       <p:sp>
         <p:nvSpPr>
-          <p:cNvPr id="6" name="TextBox 5"/>
+          <p:cNvPr id="9" name="TextBox 8">
+            <a:extLst>
+              <a:ext uri="{FF2B5EF4-FFF2-40B4-BE49-F238E27FC236}">
+                <a16:creationId xmlns:a16="http://schemas.microsoft.com/office/drawing/2014/main" id="{8F732FA9-9875-4051-A056-A79103563D42}"/>
+              </a:ext>
+            </a:extLst>
+          </p:cNvPr>
           <p:cNvSpPr txBox="1"/>
           <p:nvPr/>
         </p:nvSpPr>
         <p:spPr>
           <a:xfrm>
-            <a:off x="801183" y="1561068"/>
-            <a:ext cx="1883884" cy="369332"/>
+            <a:off x="9274001" y="1713242"/>
+            <a:ext cx="2102291" cy="369332"/>
           </a:xfrm>
           <a:prstGeom prst="rect">
             <a:avLst/>
@@ -6407,7 +6658,7 @@
           <a:noFill/>
         </p:spPr>
         <p:txBody>
-          <a:bodyPr wrap="square" rtlCol="0">
+          <a:bodyPr wrap="square">
             <a:spAutoFit/>
           </a:bodyPr>
           <a:lstStyle/>
@@ -6415,21 +6666,63 @@
             <a:pPr algn="ctr"/>
             <a:r>
               <a:rPr lang="en-US" u="sng" dirty="0"/>
-              <a:t>Welcome screen</a:t>
-            </a:r>
-          </a:p>
-        </p:txBody>
-      </p:sp>
-      <p:sp>
-        <p:nvSpPr>
-          <p:cNvPr id="9" name="TextBox 8"/>
+              <a:t>Feed section</a:t>
+            </a:r>
+          </a:p>
+        </p:txBody>
+      </p:sp>
+      <p:pic>
+        <p:nvPicPr>
+          <p:cNvPr id="10" name="Picture 9">
+            <a:extLst>
+              <a:ext uri="{FF2B5EF4-FFF2-40B4-BE49-F238E27FC236}">
+                <a16:creationId xmlns:a16="http://schemas.microsoft.com/office/drawing/2014/main" id="{31C40400-C59D-4A8A-9AE8-CC43488966D6}"/>
+              </a:ext>
+            </a:extLst>
+          </p:cNvPr>
+          <p:cNvPicPr>
+            <a:picLocks noChangeAspect="1"/>
+          </p:cNvPicPr>
+          <p:nvPr/>
+        </p:nvPicPr>
+        <p:blipFill>
+          <a:blip r:embed="rId5" cstate="print">
+            <a:extLst>
+              <a:ext uri="{28A0092B-C50C-407E-A947-70E740481C1C}">
+                <a14:useLocalDpi xmlns:a14="http://schemas.microsoft.com/office/drawing/2010/main" val="0"/>
+              </a:ext>
+            </a:extLst>
+          </a:blip>
+          <a:stretch>
+            <a:fillRect/>
+          </a:stretch>
+        </p:blipFill>
+        <p:spPr>
+          <a:xfrm>
+            <a:off x="6515050" y="2234747"/>
+            <a:ext cx="2202553" cy="3881437"/>
+          </a:xfrm>
+          <a:prstGeom prst="rect">
+            <a:avLst/>
+          </a:prstGeom>
+        </p:spPr>
+      </p:pic>
+      <p:sp>
+        <p:nvSpPr>
+          <p:cNvPr id="12" name="TextBox 11">
+            <a:extLst>
+              <a:ext uri="{FF2B5EF4-FFF2-40B4-BE49-F238E27FC236}">
+                <a16:creationId xmlns:a16="http://schemas.microsoft.com/office/drawing/2014/main" id="{924FCD1A-3270-4DCD-A90B-9F848380FAE6}"/>
+              </a:ext>
+            </a:extLst>
+          </p:cNvPr>
           <p:cNvSpPr txBox="1"/>
           <p:nvPr/>
         </p:nvSpPr>
         <p:spPr>
           <a:xfrm>
-            <a:off x="3526229" y="1581709"/>
-            <a:ext cx="3648749" cy="369332"/>
+            <a:off x="6219724" y="1713242"/>
+            <a:ext cx="2561207" cy="369332"/>
           </a:xfrm>
           <a:prstGeom prst="rect">
             <a:avLst/>
@@ -6437,7 +6730,7 @@
           <a:noFill/>
         </p:spPr>
         <p:txBody>
-          <a:bodyPr wrap="square" rtlCol="0">
+          <a:bodyPr wrap="square">
             <a:spAutoFit/>
           </a:bodyPr>
           <a:lstStyle/>
@@ -6445,37 +6738,7 @@
             <a:pPr algn="ctr"/>
             <a:r>
               <a:rPr lang="en-US" u="sng" dirty="0"/>
-              <a:t>Card showing more doctors info</a:t>
-            </a:r>
-          </a:p>
-        </p:txBody>
-      </p:sp>
-      <p:sp>
-        <p:nvSpPr>
-          <p:cNvPr id="11" name="TextBox 10"/>
-          <p:cNvSpPr txBox="1"/>
-          <p:nvPr/>
-        </p:nvSpPr>
-        <p:spPr>
-          <a:xfrm>
-            <a:off x="7224613" y="1581709"/>
-            <a:ext cx="3531737" cy="369332"/>
-          </a:xfrm>
-          <a:prstGeom prst="rect">
-            <a:avLst/>
-          </a:prstGeom>
-          <a:noFill/>
-        </p:spPr>
-        <p:txBody>
-          <a:bodyPr wrap="none" rtlCol="0">
-            <a:spAutoFit/>
-          </a:bodyPr>
-          <a:lstStyle/>
-          <a:p>
-            <a:pPr algn="ctr"/>
-            <a:r>
-              <a:rPr lang="en-US" u="sng" dirty="0"/>
-              <a:t>Card showing more vendor’s info</a:t>
+              <a:t>Marketplace section</a:t>
             </a:r>
           </a:p>
         </p:txBody>
@@ -6483,7 +6746,7 @@
     </p:spTree>
     <p:extLst>
       <p:ext uri="{BB962C8B-B14F-4D97-AF65-F5344CB8AC3E}">
-        <p14:creationId xmlns:p14="http://schemas.microsoft.com/office/powerpoint/2010/main" val="1534329380"/>
+        <p14:creationId xmlns:p14="http://schemas.microsoft.com/office/powerpoint/2010/main" val="4282642332"/>
       </p:ext>
     </p:extLst>
   </p:cSld>
@@ -6532,99 +6795,9 @@
           </a:p>
         </p:txBody>
       </p:sp>
-      <p:sp>
-        <p:nvSpPr>
-          <p:cNvPr id="6" name="TextBox 5"/>
-          <p:cNvSpPr txBox="1"/>
-          <p:nvPr/>
-        </p:nvSpPr>
-        <p:spPr>
-          <a:xfrm>
-            <a:off x="461408" y="1561068"/>
-            <a:ext cx="2700433" cy="369332"/>
-          </a:xfrm>
-          <a:prstGeom prst="rect">
-            <a:avLst/>
-          </a:prstGeom>
-          <a:noFill/>
-        </p:spPr>
-        <p:txBody>
-          <a:bodyPr wrap="square" rtlCol="0">
-            <a:spAutoFit/>
-          </a:bodyPr>
-          <a:lstStyle/>
-          <a:p>
-            <a:pPr algn="ctr"/>
-            <a:r>
-              <a:rPr lang="en-US" u="sng" dirty="0"/>
-              <a:t>Vendor’s sign up page</a:t>
-            </a:r>
-          </a:p>
-        </p:txBody>
-      </p:sp>
-      <p:sp>
-        <p:nvSpPr>
-          <p:cNvPr id="9" name="TextBox 8"/>
-          <p:cNvSpPr txBox="1"/>
-          <p:nvPr/>
-        </p:nvSpPr>
-        <p:spPr>
-          <a:xfrm>
-            <a:off x="3526229" y="1581709"/>
-            <a:ext cx="3648749" cy="369332"/>
-          </a:xfrm>
-          <a:prstGeom prst="rect">
-            <a:avLst/>
-          </a:prstGeom>
-          <a:noFill/>
-        </p:spPr>
-        <p:txBody>
-          <a:bodyPr wrap="square" rtlCol="0">
-            <a:spAutoFit/>
-          </a:bodyPr>
-          <a:lstStyle/>
-          <a:p>
-            <a:pPr algn="ctr"/>
-            <a:r>
-              <a:rPr lang="en-US" u="sng" dirty="0"/>
-              <a:t>Vendor’s profile section</a:t>
-            </a:r>
-          </a:p>
-        </p:txBody>
-      </p:sp>
-      <p:sp>
-        <p:nvSpPr>
-          <p:cNvPr id="11" name="TextBox 10"/>
-          <p:cNvSpPr txBox="1"/>
-          <p:nvPr/>
-        </p:nvSpPr>
-        <p:spPr>
-          <a:xfrm>
-            <a:off x="7695002" y="1581709"/>
-            <a:ext cx="2590967" cy="369332"/>
-          </a:xfrm>
-          <a:prstGeom prst="rect">
-            <a:avLst/>
-          </a:prstGeom>
-          <a:noFill/>
-        </p:spPr>
-        <p:txBody>
-          <a:bodyPr wrap="none" rtlCol="0">
-            <a:spAutoFit/>
-          </a:bodyPr>
-          <a:lstStyle/>
-          <a:p>
-            <a:pPr algn="ctr"/>
-            <a:r>
-              <a:rPr lang="en-US" u="sng" dirty="0"/>
-              <a:t>Doctor’s profile section</a:t>
-            </a:r>
-          </a:p>
-        </p:txBody>
-      </p:sp>
       <p:pic>
         <p:nvPicPr>
-          <p:cNvPr id="7" name="Picture 6"/>
+          <p:cNvPr id="3" name="Picture 2"/>
           <p:cNvPicPr>
             <a:picLocks noChangeAspect="1"/>
           </p:cNvPicPr>
@@ -6644,8 +6817,8 @@
         </p:blipFill>
         <p:spPr>
           <a:xfrm>
-            <a:off x="461408" y="2159000"/>
-            <a:ext cx="2563433" cy="3735024"/>
+            <a:off x="503728" y="1930401"/>
+            <a:ext cx="2478795" cy="4267812"/>
           </a:xfrm>
           <a:prstGeom prst="rect">
             <a:avLst/>
@@ -6654,7 +6827,7 @@
       </p:pic>
       <p:pic>
         <p:nvPicPr>
-          <p:cNvPr id="8" name="Picture 7"/>
+          <p:cNvPr id="4" name="Picture 3"/>
           <p:cNvPicPr>
             <a:picLocks noChangeAspect="1"/>
           </p:cNvPicPr>
@@ -6674,8 +6847,8 @@
         </p:blipFill>
         <p:spPr>
           <a:xfrm>
-            <a:off x="7821976" y="2159000"/>
-            <a:ext cx="2335576" cy="3735024"/>
+            <a:off x="7772887" y="1930400"/>
+            <a:ext cx="2435187" cy="4267813"/>
           </a:xfrm>
           <a:prstGeom prst="rect">
             <a:avLst/>
@@ -6684,7 +6857,7 @@
       </p:pic>
       <p:pic>
         <p:nvPicPr>
-          <p:cNvPr id="10" name="Picture 9"/>
+          <p:cNvPr id="5" name="Picture 4"/>
           <p:cNvPicPr>
             <a:picLocks noChangeAspect="1"/>
           </p:cNvPicPr>
@@ -6704,18 +6877,108 @@
         </p:blipFill>
         <p:spPr>
           <a:xfrm>
-            <a:off x="4012851" y="2159001"/>
-            <a:ext cx="2365916" cy="3735024"/>
+            <a:off x="4042475" y="1930400"/>
+            <a:ext cx="2534595" cy="4267813"/>
           </a:xfrm>
           <a:prstGeom prst="rect">
             <a:avLst/>
           </a:prstGeom>
         </p:spPr>
       </p:pic>
+      <p:sp>
+        <p:nvSpPr>
+          <p:cNvPr id="6" name="TextBox 5"/>
+          <p:cNvSpPr txBox="1"/>
+          <p:nvPr/>
+        </p:nvSpPr>
+        <p:spPr>
+          <a:xfrm>
+            <a:off x="801183" y="1561068"/>
+            <a:ext cx="1883884" cy="369332"/>
+          </a:xfrm>
+          <a:prstGeom prst="rect">
+            <a:avLst/>
+          </a:prstGeom>
+          <a:noFill/>
+        </p:spPr>
+        <p:txBody>
+          <a:bodyPr wrap="square" rtlCol="0">
+            <a:spAutoFit/>
+          </a:bodyPr>
+          <a:lstStyle/>
+          <a:p>
+            <a:pPr algn="ctr"/>
+            <a:r>
+              <a:rPr lang="en-US" u="sng" dirty="0"/>
+              <a:t>Welcome screen</a:t>
+            </a:r>
+          </a:p>
+        </p:txBody>
+      </p:sp>
+      <p:sp>
+        <p:nvSpPr>
+          <p:cNvPr id="9" name="TextBox 8"/>
+          <p:cNvSpPr txBox="1"/>
+          <p:nvPr/>
+        </p:nvSpPr>
+        <p:spPr>
+          <a:xfrm>
+            <a:off x="3526229" y="1581709"/>
+            <a:ext cx="3648749" cy="369332"/>
+          </a:xfrm>
+          <a:prstGeom prst="rect">
+            <a:avLst/>
+          </a:prstGeom>
+          <a:noFill/>
+        </p:spPr>
+        <p:txBody>
+          <a:bodyPr wrap="square" rtlCol="0">
+            <a:spAutoFit/>
+          </a:bodyPr>
+          <a:lstStyle/>
+          <a:p>
+            <a:pPr algn="ctr"/>
+            <a:r>
+              <a:rPr lang="en-US" u="sng" dirty="0"/>
+              <a:t>Card showing more doctors info</a:t>
+            </a:r>
+          </a:p>
+        </p:txBody>
+      </p:sp>
+      <p:sp>
+        <p:nvSpPr>
+          <p:cNvPr id="11" name="TextBox 10"/>
+          <p:cNvSpPr txBox="1"/>
+          <p:nvPr/>
+        </p:nvSpPr>
+        <p:spPr>
+          <a:xfrm>
+            <a:off x="7224613" y="1581709"/>
+            <a:ext cx="3531737" cy="369332"/>
+          </a:xfrm>
+          <a:prstGeom prst="rect">
+            <a:avLst/>
+          </a:prstGeom>
+          <a:noFill/>
+        </p:spPr>
+        <p:txBody>
+          <a:bodyPr wrap="none" rtlCol="0">
+            <a:spAutoFit/>
+          </a:bodyPr>
+          <a:lstStyle/>
+          <a:p>
+            <a:pPr algn="ctr"/>
+            <a:r>
+              <a:rPr lang="en-US" u="sng" dirty="0"/>
+              <a:t>Card showing more vendor’s info</a:t>
+            </a:r>
+          </a:p>
+        </p:txBody>
+      </p:sp>
     </p:spTree>
     <p:extLst>
       <p:ext uri="{BB962C8B-B14F-4D97-AF65-F5344CB8AC3E}">
-        <p14:creationId xmlns:p14="http://schemas.microsoft.com/office/powerpoint/2010/main" val="1062357084"/>
+        <p14:creationId xmlns:p14="http://schemas.microsoft.com/office/powerpoint/2010/main" val="1534329380"/>
       </p:ext>
     </p:extLst>
   </p:cSld>
@@ -6759,49 +7022,195 @@
           <a:p>
             <a:r>
               <a:rPr lang="en-US" dirty="0"/>
-              <a:t>Tech Stack used</a:t>
-            </a:r>
-          </a:p>
-        </p:txBody>
-      </p:sp>
-      <p:sp>
-        <p:nvSpPr>
-          <p:cNvPr id="3" name="Content Placeholder 2"/>
-          <p:cNvSpPr>
-            <a:spLocks noGrp="1"/>
-          </p:cNvSpPr>
-          <p:nvPr>
-            <p:ph idx="1"/>
-          </p:nvPr>
-        </p:nvSpPr>
-        <p:spPr/>
-        <p:txBody>
-          <a:bodyPr/>
-          <a:lstStyle/>
-          <a:p>
-            <a:r>
-              <a:rPr lang="en-US" dirty="0"/>
-              <a:t>Programming language - Java</a:t>
-            </a:r>
-          </a:p>
-          <a:p>
-            <a:r>
-              <a:rPr lang="en-US" dirty="0"/>
-              <a:t>IDE - Android Studio</a:t>
-            </a:r>
-          </a:p>
-          <a:p>
-            <a:r>
-              <a:rPr lang="en-US" dirty="0"/>
-              <a:t>Database - Firebase by Google</a:t>
-            </a:r>
-          </a:p>
-        </p:txBody>
-      </p:sp>
+              <a:t>Some more app Mock-ups</a:t>
+            </a:r>
+          </a:p>
+        </p:txBody>
+      </p:sp>
+      <p:sp>
+        <p:nvSpPr>
+          <p:cNvPr id="6" name="TextBox 5"/>
+          <p:cNvSpPr txBox="1"/>
+          <p:nvPr/>
+        </p:nvSpPr>
+        <p:spPr>
+          <a:xfrm>
+            <a:off x="461408" y="1561068"/>
+            <a:ext cx="2700433" cy="369332"/>
+          </a:xfrm>
+          <a:prstGeom prst="rect">
+            <a:avLst/>
+          </a:prstGeom>
+          <a:noFill/>
+        </p:spPr>
+        <p:txBody>
+          <a:bodyPr wrap="square" rtlCol="0">
+            <a:spAutoFit/>
+          </a:bodyPr>
+          <a:lstStyle/>
+          <a:p>
+            <a:pPr algn="ctr"/>
+            <a:r>
+              <a:rPr lang="en-US" u="sng" dirty="0"/>
+              <a:t>Vendor’s sign up page</a:t>
+            </a:r>
+          </a:p>
+        </p:txBody>
+      </p:sp>
+      <p:sp>
+        <p:nvSpPr>
+          <p:cNvPr id="9" name="TextBox 8"/>
+          <p:cNvSpPr txBox="1"/>
+          <p:nvPr/>
+        </p:nvSpPr>
+        <p:spPr>
+          <a:xfrm>
+            <a:off x="3526229" y="1581709"/>
+            <a:ext cx="3648749" cy="369332"/>
+          </a:xfrm>
+          <a:prstGeom prst="rect">
+            <a:avLst/>
+          </a:prstGeom>
+          <a:noFill/>
+        </p:spPr>
+        <p:txBody>
+          <a:bodyPr wrap="square" rtlCol="0">
+            <a:spAutoFit/>
+          </a:bodyPr>
+          <a:lstStyle/>
+          <a:p>
+            <a:pPr algn="ctr"/>
+            <a:r>
+              <a:rPr lang="en-US" u="sng" dirty="0"/>
+              <a:t>Vendor’s profile section</a:t>
+            </a:r>
+          </a:p>
+        </p:txBody>
+      </p:sp>
+      <p:sp>
+        <p:nvSpPr>
+          <p:cNvPr id="11" name="TextBox 10"/>
+          <p:cNvSpPr txBox="1"/>
+          <p:nvPr/>
+        </p:nvSpPr>
+        <p:spPr>
+          <a:xfrm>
+            <a:off x="7695002" y="1581709"/>
+            <a:ext cx="2590967" cy="369332"/>
+          </a:xfrm>
+          <a:prstGeom prst="rect">
+            <a:avLst/>
+          </a:prstGeom>
+          <a:noFill/>
+        </p:spPr>
+        <p:txBody>
+          <a:bodyPr wrap="none" rtlCol="0">
+            <a:spAutoFit/>
+          </a:bodyPr>
+          <a:lstStyle/>
+          <a:p>
+            <a:pPr algn="ctr"/>
+            <a:r>
+              <a:rPr lang="en-US" u="sng" dirty="0"/>
+              <a:t>Doctor’s profile section</a:t>
+            </a:r>
+          </a:p>
+        </p:txBody>
+      </p:sp>
+      <p:pic>
+        <p:nvPicPr>
+          <p:cNvPr id="7" name="Picture 6"/>
+          <p:cNvPicPr>
+            <a:picLocks noChangeAspect="1"/>
+          </p:cNvPicPr>
+          <p:nvPr/>
+        </p:nvPicPr>
+        <p:blipFill>
+          <a:blip r:embed="rId2">
+            <a:extLst>
+              <a:ext uri="{28A0092B-C50C-407E-A947-70E740481C1C}">
+                <a14:useLocalDpi xmlns:a14="http://schemas.microsoft.com/office/drawing/2010/main" val="0"/>
+              </a:ext>
+            </a:extLst>
+          </a:blip>
+          <a:stretch>
+            <a:fillRect/>
+          </a:stretch>
+        </p:blipFill>
+        <p:spPr>
+          <a:xfrm>
+            <a:off x="461408" y="2159000"/>
+            <a:ext cx="2563433" cy="3735024"/>
+          </a:xfrm>
+          <a:prstGeom prst="rect">
+            <a:avLst/>
+          </a:prstGeom>
+        </p:spPr>
+      </p:pic>
+      <p:pic>
+        <p:nvPicPr>
+          <p:cNvPr id="8" name="Picture 7"/>
+          <p:cNvPicPr>
+            <a:picLocks noChangeAspect="1"/>
+          </p:cNvPicPr>
+          <p:nvPr/>
+        </p:nvPicPr>
+        <p:blipFill>
+          <a:blip r:embed="rId3">
+            <a:extLst>
+              <a:ext uri="{28A0092B-C50C-407E-A947-70E740481C1C}">
+                <a14:useLocalDpi xmlns:a14="http://schemas.microsoft.com/office/drawing/2010/main" val="0"/>
+              </a:ext>
+            </a:extLst>
+          </a:blip>
+          <a:stretch>
+            <a:fillRect/>
+          </a:stretch>
+        </p:blipFill>
+        <p:spPr>
+          <a:xfrm>
+            <a:off x="7821976" y="2159000"/>
+            <a:ext cx="2335576" cy="3735024"/>
+          </a:xfrm>
+          <a:prstGeom prst="rect">
+            <a:avLst/>
+          </a:prstGeom>
+        </p:spPr>
+      </p:pic>
+      <p:pic>
+        <p:nvPicPr>
+          <p:cNvPr id="10" name="Picture 9"/>
+          <p:cNvPicPr>
+            <a:picLocks noChangeAspect="1"/>
+          </p:cNvPicPr>
+          <p:nvPr/>
+        </p:nvPicPr>
+        <p:blipFill>
+          <a:blip r:embed="rId4">
+            <a:extLst>
+              <a:ext uri="{28A0092B-C50C-407E-A947-70E740481C1C}">
+                <a14:useLocalDpi xmlns:a14="http://schemas.microsoft.com/office/drawing/2010/main" val="0"/>
+              </a:ext>
+            </a:extLst>
+          </a:blip>
+          <a:stretch>
+            <a:fillRect/>
+          </a:stretch>
+        </p:blipFill>
+        <p:spPr>
+          <a:xfrm>
+            <a:off x="4012851" y="2159001"/>
+            <a:ext cx="2365916" cy="3735024"/>
+          </a:xfrm>
+          <a:prstGeom prst="rect">
+            <a:avLst/>
+          </a:prstGeom>
+        </p:spPr>
+      </p:pic>
     </p:spTree>
     <p:extLst>
       <p:ext uri="{BB962C8B-B14F-4D97-AF65-F5344CB8AC3E}">
-        <p14:creationId xmlns:p14="http://schemas.microsoft.com/office/powerpoint/2010/main" val="1629973222"/>
+        <p14:creationId xmlns:p14="http://schemas.microsoft.com/office/powerpoint/2010/main" val="1062357084"/>
       </p:ext>
     </p:extLst>
   </p:cSld>
@@ -6842,7 +7251,7 @@
         </p:nvSpPr>
         <p:spPr>
           <a:xfrm>
-            <a:off x="639192" y="363984"/>
+            <a:off x="767918" y="248747"/>
             <a:ext cx="6764785" cy="646331"/>
           </a:xfrm>
           <a:prstGeom prst="rect">
@@ -6897,7 +7306,7 @@
         </p:nvSpPr>
         <p:spPr>
           <a:xfrm>
-            <a:off x="639192" y="1199834"/>
+            <a:off x="710216" y="1051438"/>
             <a:ext cx="4554244" cy="1051570"/>
           </a:xfrm>
           <a:prstGeom prst="rect">
@@ -6977,7 +7386,7 @@
         </p:nvSpPr>
         <p:spPr>
           <a:xfrm>
-            <a:off x="275209" y="2259368"/>
+            <a:off x="630316" y="2245999"/>
             <a:ext cx="7750205" cy="646331"/>
           </a:xfrm>
           <a:prstGeom prst="rect">
@@ -7027,7 +7436,7 @@
         </p:nvSpPr>
         <p:spPr>
           <a:xfrm>
-            <a:off x="275209" y="3044198"/>
+            <a:off x="767918" y="3026597"/>
             <a:ext cx="4989251" cy="1328569"/>
           </a:xfrm>
           <a:prstGeom prst="rect">
@@ -7104,7 +7513,7 @@
         </p:nvSpPr>
         <p:spPr>
           <a:xfrm>
-            <a:off x="421688" y="4586925"/>
+            <a:off x="630316" y="4437486"/>
             <a:ext cx="5894773" cy="646331"/>
           </a:xfrm>
           <a:prstGeom prst="rect">
@@ -7154,7 +7563,7 @@
         </p:nvSpPr>
         <p:spPr>
           <a:xfrm>
-            <a:off x="421688" y="5252432"/>
+            <a:off x="630316" y="5003778"/>
             <a:ext cx="4989251" cy="1605568"/>
           </a:xfrm>
           <a:prstGeom prst="rect">
@@ -7983,140 +8392,23 @@
           <a:p>
             <a:r>
               <a:rPr lang="en-US" dirty="0"/>
-              <a:t>Login/Sign up screenshots</a:t>
-            </a:r>
-          </a:p>
-        </p:txBody>
-      </p:sp>
-      <p:cxnSp>
-        <p:nvCxnSpPr>
-          <p:cNvPr id="10" name="Straight Arrow Connector 9"/>
-          <p:cNvCxnSpPr/>
-          <p:nvPr/>
-        </p:nvCxnSpPr>
-        <p:spPr>
-          <a:xfrm flipV="1">
-            <a:off x="2260884" y="3854788"/>
-            <a:ext cx="374663" cy="15635"/>
-          </a:xfrm>
-          <a:prstGeom prst="straightConnector1">
-            <a:avLst/>
-          </a:prstGeom>
-          <a:ln>
-            <a:tailEnd type="triangle"/>
-          </a:ln>
-        </p:spPr>
-        <p:style>
-          <a:lnRef idx="1">
-            <a:schemeClr val="accent1"/>
-          </a:lnRef>
-          <a:fillRef idx="0">
-            <a:schemeClr val="accent1"/>
-          </a:fillRef>
-          <a:effectRef idx="0">
-            <a:schemeClr val="accent1"/>
-          </a:effectRef>
-          <a:fontRef idx="minor">
-            <a:schemeClr val="tx1"/>
-          </a:fontRef>
-        </p:style>
-      </p:cxnSp>
-      <p:cxnSp>
-        <p:nvCxnSpPr>
-          <p:cNvPr id="12" name="Straight Arrow Connector 11"/>
-          <p:cNvCxnSpPr/>
-          <p:nvPr/>
-        </p:nvCxnSpPr>
-        <p:spPr>
-          <a:xfrm>
-            <a:off x="4878943" y="3878241"/>
-            <a:ext cx="298985" cy="6095"/>
-          </a:xfrm>
-          <a:prstGeom prst="straightConnector1">
-            <a:avLst/>
-          </a:prstGeom>
-          <a:ln>
-            <a:tailEnd type="triangle"/>
-          </a:ln>
-        </p:spPr>
-        <p:style>
-          <a:lnRef idx="1">
-            <a:schemeClr val="accent1"/>
-          </a:lnRef>
-          <a:fillRef idx="0">
-            <a:schemeClr val="accent1"/>
-          </a:fillRef>
-          <a:effectRef idx="0">
-            <a:schemeClr val="accent1"/>
-          </a:effectRef>
-          <a:fontRef idx="minor">
-            <a:schemeClr val="tx1"/>
-          </a:fontRef>
-        </p:style>
-      </p:cxnSp>
-      <p:sp>
-        <p:nvSpPr>
-          <p:cNvPr id="13" name="TextBox 12"/>
-          <p:cNvSpPr txBox="1"/>
-          <p:nvPr/>
-        </p:nvSpPr>
-        <p:spPr>
-          <a:xfrm>
-            <a:off x="7175079" y="3588162"/>
-            <a:ext cx="426151" cy="369332"/>
-          </a:xfrm>
-          <a:prstGeom prst="rect">
-            <a:avLst/>
-          </a:prstGeom>
-          <a:noFill/>
-        </p:spPr>
-        <p:txBody>
-          <a:bodyPr wrap="square" rtlCol="0">
-            <a:spAutoFit/>
-          </a:bodyPr>
-          <a:lstStyle/>
-          <a:p>
-            <a:r>
-              <a:rPr lang="en-US" dirty="0"/>
-              <a:t>or</a:t>
+              <a:t>Health check algorithm</a:t>
             </a:r>
           </a:p>
         </p:txBody>
       </p:sp>
       <p:pic>
         <p:nvPicPr>
-          <p:cNvPr id="18" name="Picture 17"/>
+          <p:cNvPr id="4" name="Content Placeholder 3"/>
           <p:cNvPicPr>
-            <a:picLocks noChangeAspect="1"/>
+            <a:picLocks noGrp="1" noChangeAspect="1"/>
           </p:cNvPicPr>
-          <p:nvPr/>
+          <p:nvPr>
+            <p:ph idx="1"/>
+          </p:nvPr>
         </p:nvPicPr>
         <p:blipFill>
-          <a:blip r:embed="rId2"/>
-          <a:stretch>
-            <a:fillRect/>
-          </a:stretch>
-        </p:blipFill>
-        <p:spPr>
-          <a:xfrm>
-            <a:off x="9565658" y="3719731"/>
-            <a:ext cx="384081" cy="158510"/>
-          </a:xfrm>
-          <a:prstGeom prst="rect">
-            <a:avLst/>
-          </a:prstGeom>
-        </p:spPr>
-      </p:pic>
-      <p:pic>
-        <p:nvPicPr>
-          <p:cNvPr id="3" name="Picture 2"/>
-          <p:cNvPicPr>
-            <a:picLocks noChangeAspect="1"/>
-          </p:cNvPicPr>
-          <p:nvPr/>
-        </p:nvPicPr>
-        <p:blipFill>
-          <a:blip r:embed="rId3" cstate="print">
+          <a:blip r:embed="rId2" cstate="print">
             <a:extLst>
               <a:ext uri="{28A0092B-C50C-407E-A947-70E740481C1C}">
                 <a14:useLocalDpi xmlns:a14="http://schemas.microsoft.com/office/drawing/2010/main" val="0"/>
@@ -8129,138 +8421,15 @@
         </p:blipFill>
         <p:spPr>
           <a:xfrm>
-            <a:off x="202340" y="1979478"/>
-            <a:ext cx="2106648" cy="3797525"/>
-          </a:xfrm>
-          <a:prstGeom prst="rect">
-            <a:avLst/>
-          </a:prstGeom>
-        </p:spPr>
-      </p:pic>
-      <p:pic>
-        <p:nvPicPr>
-          <p:cNvPr id="9" name="Picture 8"/>
-          <p:cNvPicPr>
-            <a:picLocks noChangeAspect="1"/>
-          </p:cNvPicPr>
-          <p:nvPr/>
-        </p:nvPicPr>
-        <p:blipFill>
-          <a:blip r:embed="rId4" cstate="print">
-            <a:extLst>
-              <a:ext uri="{28A0092B-C50C-407E-A947-70E740481C1C}">
-                <a14:useLocalDpi xmlns:a14="http://schemas.microsoft.com/office/drawing/2010/main" val="0"/>
-              </a:ext>
-            </a:extLst>
-          </a:blip>
-          <a:stretch>
-            <a:fillRect/>
-          </a:stretch>
-        </p:blipFill>
-        <p:spPr>
-          <a:xfrm>
-            <a:off x="2714126" y="1979478"/>
-            <a:ext cx="2104365" cy="3797525"/>
-          </a:xfrm>
-          <a:prstGeom prst="rect">
-            <a:avLst/>
-          </a:prstGeom>
-        </p:spPr>
-      </p:pic>
-      <p:pic>
-        <p:nvPicPr>
-          <p:cNvPr id="11" name="Picture 10"/>
-          <p:cNvPicPr>
-            <a:picLocks noChangeAspect="1"/>
-          </p:cNvPicPr>
-          <p:nvPr/>
-        </p:nvPicPr>
-        <p:blipFill>
-          <a:blip r:embed="rId5" cstate="print">
-            <a:extLst>
-              <a:ext uri="{28A0092B-C50C-407E-A947-70E740481C1C}">
-                <a14:useLocalDpi xmlns:a14="http://schemas.microsoft.com/office/drawing/2010/main" val="0"/>
-              </a:ext>
-            </a:extLst>
-          </a:blip>
-          <a:stretch>
-            <a:fillRect/>
-          </a:stretch>
-        </p:blipFill>
-        <p:spPr>
-          <a:xfrm>
-            <a:off x="5219029" y="1934731"/>
-            <a:ext cx="1956050" cy="3840114"/>
-          </a:xfrm>
-          <a:prstGeom prst="rect">
-            <a:avLst/>
-          </a:prstGeom>
-        </p:spPr>
-      </p:pic>
-      <p:pic>
-        <p:nvPicPr>
-          <p:cNvPr id="14" name="Picture 13"/>
-          <p:cNvPicPr>
-            <a:picLocks noChangeAspect="1"/>
-          </p:cNvPicPr>
-          <p:nvPr/>
-        </p:nvPicPr>
-        <p:blipFill>
-          <a:blip r:embed="rId6" cstate="print">
-            <a:extLst>
-              <a:ext uri="{28A0092B-C50C-407E-A947-70E740481C1C}">
-                <a14:useLocalDpi xmlns:a14="http://schemas.microsoft.com/office/drawing/2010/main" val="0"/>
-              </a:ext>
-            </a:extLst>
-          </a:blip>
-          <a:stretch>
-            <a:fillRect/>
-          </a:stretch>
-        </p:blipFill>
-        <p:spPr>
-          <a:xfrm>
-            <a:off x="7601230" y="1930400"/>
-            <a:ext cx="1891370" cy="3767042"/>
-          </a:xfrm>
-          <a:prstGeom prst="rect">
-            <a:avLst/>
-          </a:prstGeom>
-        </p:spPr>
-      </p:pic>
-      <p:pic>
-        <p:nvPicPr>
-          <p:cNvPr id="15" name="Picture 14"/>
-          <p:cNvPicPr>
-            <a:picLocks noChangeAspect="1"/>
-          </p:cNvPicPr>
-          <p:nvPr/>
-        </p:nvPicPr>
-        <p:blipFill>
-          <a:blip r:embed="rId7" cstate="print">
-            <a:extLst>
-              <a:ext uri="{28A0092B-C50C-407E-A947-70E740481C1C}">
-                <a14:useLocalDpi xmlns:a14="http://schemas.microsoft.com/office/drawing/2010/main" val="0"/>
-              </a:ext>
-            </a:extLst>
-          </a:blip>
-          <a:stretch>
-            <a:fillRect/>
-          </a:stretch>
-        </p:blipFill>
-        <p:spPr>
-          <a:xfrm>
-            <a:off x="10028318" y="1898196"/>
-            <a:ext cx="1913965" cy="3767042"/>
-          </a:xfrm>
-          <a:prstGeom prst="rect">
-            <a:avLst/>
-          </a:prstGeom>
+            <a:off x="2785067" y="1270001"/>
+            <a:ext cx="3175058" cy="5588000"/>
+          </a:xfrm>
         </p:spPr>
       </p:pic>
     </p:spTree>
     <p:extLst>
       <p:ext uri="{BB962C8B-B14F-4D97-AF65-F5344CB8AC3E}">
-        <p14:creationId xmlns:p14="http://schemas.microsoft.com/office/powerpoint/2010/main" val="3768682560"/>
+        <p14:creationId xmlns:p14="http://schemas.microsoft.com/office/powerpoint/2010/main" val="2794537676"/>
       </p:ext>
     </p:extLst>
   </p:cSld>
@@ -8289,7 +8458,7 @@
       </p:grpSpPr>
       <p:sp>
         <p:nvSpPr>
-          <p:cNvPr id="2" name="Title 1"/>
+          <p:cNvPr id="3" name="Title 2"/>
           <p:cNvSpPr>
             <a:spLocks noGrp="1"/>
           </p:cNvSpPr>
@@ -8297,21 +8466,26 @@
             <p:ph type="title"/>
           </p:nvPr>
         </p:nvSpPr>
-        <p:spPr/>
+        <p:spPr>
+          <a:xfrm>
+            <a:off x="358945" y="265629"/>
+            <a:ext cx="8596668" cy="1320800"/>
+          </a:xfrm>
+        </p:spPr>
         <p:txBody>
           <a:bodyPr/>
           <a:lstStyle/>
           <a:p>
             <a:r>
               <a:rPr lang="en-US" dirty="0"/>
-              <a:t>App screenshots</a:t>
+              <a:t>Market place </a:t>
             </a:r>
           </a:p>
         </p:txBody>
       </p:sp>
       <p:pic>
         <p:nvPicPr>
-          <p:cNvPr id="4" name="Content Placeholder 3"/>
+          <p:cNvPr id="5" name="Content Placeholder 4"/>
           <p:cNvPicPr>
             <a:picLocks noGrp="1" noChangeAspect="1"/>
           </p:cNvPicPr>
@@ -8333,51 +8507,21 @@
         </p:blipFill>
         <p:spPr>
           <a:xfrm>
-            <a:off x="1336292" y="2237706"/>
-            <a:ext cx="1940718" cy="3881437"/>
+            <a:off x="1037138" y="1295622"/>
+            <a:ext cx="5299112" cy="5588000"/>
           </a:xfrm>
         </p:spPr>
       </p:pic>
-      <p:pic>
-        <p:nvPicPr>
-          <p:cNvPr id="5" name="Picture 4"/>
-          <p:cNvPicPr>
-            <a:picLocks noChangeAspect="1"/>
-          </p:cNvPicPr>
-          <p:nvPr/>
-        </p:nvPicPr>
-        <p:blipFill>
-          <a:blip r:embed="rId3" cstate="print">
-            <a:extLst>
-              <a:ext uri="{28A0092B-C50C-407E-A947-70E740481C1C}">
-                <a14:useLocalDpi xmlns:a14="http://schemas.microsoft.com/office/drawing/2010/main" val="0"/>
-              </a:ext>
-            </a:extLst>
-          </a:blip>
-          <a:stretch>
-            <a:fillRect/>
-          </a:stretch>
-        </p:blipFill>
-        <p:spPr>
-          <a:xfrm>
-            <a:off x="3957156" y="2250546"/>
-            <a:ext cx="2102290" cy="3865638"/>
-          </a:xfrm>
-          <a:prstGeom prst="rect">
-            <a:avLst/>
-          </a:prstGeom>
-        </p:spPr>
-      </p:pic>
-      <p:sp>
-        <p:nvSpPr>
-          <p:cNvPr id="6" name="TextBox 5"/>
+      <p:sp>
+        <p:nvSpPr>
+          <p:cNvPr id="4" name="TextBox 3"/>
           <p:cNvSpPr txBox="1"/>
           <p:nvPr/>
         </p:nvSpPr>
         <p:spPr>
           <a:xfrm>
-            <a:off x="1465243" y="1745734"/>
-            <a:ext cx="1682816" cy="369332"/>
+            <a:off x="8195449" y="1096879"/>
+            <a:ext cx="1520328" cy="369332"/>
           </a:xfrm>
           <a:prstGeom prst="rect">
             <a:avLst/>
@@ -8393,21 +8537,21 @@
             <a:pPr algn="ctr"/>
             <a:r>
               <a:rPr lang="en-US" u="sng" dirty="0"/>
-              <a:t>Profile section</a:t>
-            </a:r>
-          </a:p>
-        </p:txBody>
-      </p:sp>
-      <p:sp>
-        <p:nvSpPr>
-          <p:cNvPr id="7" name="TextBox 6"/>
+              <a:t>Demo</a:t>
+            </a:r>
+          </a:p>
+        </p:txBody>
+      </p:sp>
+      <p:sp>
+        <p:nvSpPr>
+          <p:cNvPr id="6" name="TextBox 5"/>
           <p:cNvSpPr txBox="1"/>
           <p:nvPr/>
         </p:nvSpPr>
         <p:spPr>
           <a:xfrm>
-            <a:off x="4044325" y="1714721"/>
-            <a:ext cx="1927953" cy="369332"/>
+            <a:off x="2390661" y="1212295"/>
+            <a:ext cx="892366" cy="253916"/>
           </a:xfrm>
           <a:prstGeom prst="rect">
             <a:avLst/>
@@ -8422,152 +8566,8 @@
           <a:p>
             <a:pPr algn="ctr"/>
             <a:r>
-              <a:rPr lang="en-US" u="sng" dirty="0"/>
-              <a:t>Doctor’s corner</a:t>
-            </a:r>
-          </a:p>
-        </p:txBody>
-      </p:sp>
-      <p:pic>
-        <p:nvPicPr>
-          <p:cNvPr id="8" name="Picture 7">
-            <a:extLst>
-              <a:ext uri="{FF2B5EF4-FFF2-40B4-BE49-F238E27FC236}">
-                <a16:creationId xmlns:a16="http://schemas.microsoft.com/office/drawing/2014/main" id="{E4B6C7F5-8BE9-44ED-9CEE-EA1202577BCE}"/>
-              </a:ext>
-            </a:extLst>
-          </p:cNvPr>
-          <p:cNvPicPr>
-            <a:picLocks noChangeAspect="1"/>
-          </p:cNvPicPr>
-          <p:nvPr/>
-        </p:nvPicPr>
-        <p:blipFill>
-          <a:blip r:embed="rId4" cstate="print">
-            <a:extLst>
-              <a:ext uri="{28A0092B-C50C-407E-A947-70E740481C1C}">
-                <a14:useLocalDpi xmlns:a14="http://schemas.microsoft.com/office/drawing/2010/main" val="0"/>
-              </a:ext>
-            </a:extLst>
-          </a:blip>
-          <a:stretch>
-            <a:fillRect/>
-          </a:stretch>
-        </p:blipFill>
-        <p:spPr>
-          <a:xfrm>
-            <a:off x="9274002" y="2234747"/>
-            <a:ext cx="2102290" cy="3667193"/>
-          </a:xfrm>
-          <a:prstGeom prst="rect">
-            <a:avLst/>
-          </a:prstGeom>
-        </p:spPr>
-      </p:pic>
-      <p:sp>
-        <p:nvSpPr>
-          <p:cNvPr id="9" name="TextBox 8">
-            <a:extLst>
-              <a:ext uri="{FF2B5EF4-FFF2-40B4-BE49-F238E27FC236}">
-                <a16:creationId xmlns:a16="http://schemas.microsoft.com/office/drawing/2014/main" id="{8F732FA9-9875-4051-A056-A79103563D42}"/>
-              </a:ext>
-            </a:extLst>
-          </p:cNvPr>
-          <p:cNvSpPr txBox="1"/>
-          <p:nvPr/>
-        </p:nvSpPr>
-        <p:spPr>
-          <a:xfrm>
-            <a:off x="9274001" y="1713242"/>
-            <a:ext cx="2102291" cy="369332"/>
-          </a:xfrm>
-          <a:prstGeom prst="rect">
-            <a:avLst/>
-          </a:prstGeom>
-          <a:noFill/>
-        </p:spPr>
-        <p:txBody>
-          <a:bodyPr wrap="square">
-            <a:spAutoFit/>
-          </a:bodyPr>
-          <a:lstStyle/>
-          <a:p>
-            <a:pPr algn="ctr"/>
-            <a:r>
-              <a:rPr lang="en-US" u="sng" dirty="0"/>
-              <a:t>Feed section</a:t>
-            </a:r>
-          </a:p>
-        </p:txBody>
-      </p:sp>
-      <p:pic>
-        <p:nvPicPr>
-          <p:cNvPr id="10" name="Picture 9">
-            <a:extLst>
-              <a:ext uri="{FF2B5EF4-FFF2-40B4-BE49-F238E27FC236}">
-                <a16:creationId xmlns:a16="http://schemas.microsoft.com/office/drawing/2014/main" id="{31C40400-C59D-4A8A-9AE8-CC43488966D6}"/>
-              </a:ext>
-            </a:extLst>
-          </p:cNvPr>
-          <p:cNvPicPr>
-            <a:picLocks noChangeAspect="1"/>
-          </p:cNvPicPr>
-          <p:nvPr/>
-        </p:nvPicPr>
-        <p:blipFill>
-          <a:blip r:embed="rId5" cstate="print">
-            <a:extLst>
-              <a:ext uri="{28A0092B-C50C-407E-A947-70E740481C1C}">
-                <a14:useLocalDpi xmlns:a14="http://schemas.microsoft.com/office/drawing/2010/main" val="0"/>
-              </a:ext>
-            </a:extLst>
-          </a:blip>
-          <a:stretch>
-            <a:fillRect/>
-          </a:stretch>
-        </p:blipFill>
-        <p:spPr>
-          <a:xfrm>
-            <a:off x="6515050" y="2234747"/>
-            <a:ext cx="2202553" cy="3881437"/>
-          </a:xfrm>
-          <a:prstGeom prst="rect">
-            <a:avLst/>
-          </a:prstGeom>
-        </p:spPr>
-      </p:pic>
-      <p:sp>
-        <p:nvSpPr>
-          <p:cNvPr id="12" name="TextBox 11">
-            <a:extLst>
-              <a:ext uri="{FF2B5EF4-FFF2-40B4-BE49-F238E27FC236}">
-                <a16:creationId xmlns:a16="http://schemas.microsoft.com/office/drawing/2014/main" id="{924FCD1A-3270-4DCD-A90B-9F848380FAE6}"/>
-              </a:ext>
-            </a:extLst>
-          </p:cNvPr>
-          <p:cNvSpPr txBox="1"/>
-          <p:nvPr/>
-        </p:nvSpPr>
-        <p:spPr>
-          <a:xfrm>
-            <a:off x="6219724" y="1713242"/>
-            <a:ext cx="2561207" cy="369332"/>
-          </a:xfrm>
-          <a:prstGeom prst="rect">
-            <a:avLst/>
-          </a:prstGeom>
-          <a:noFill/>
-        </p:spPr>
-        <p:txBody>
-          <a:bodyPr wrap="square">
-            <a:spAutoFit/>
-          </a:bodyPr>
-          <a:lstStyle/>
-          <a:p>
-            <a:pPr algn="ctr"/>
-            <a:r>
-              <a:rPr lang="en-US" u="sng" dirty="0"/>
-              <a:t>Marketplace section</a:t>
+              <a:rPr lang="en-US" sz="1050" u="sng" dirty="0"/>
+              <a:t>Algorithm</a:t>
             </a:r>
           </a:p>
         </p:txBody>
@@ -8575,7 +8575,7 @@
     </p:spTree>
     <p:extLst>
       <p:ext uri="{BB962C8B-B14F-4D97-AF65-F5344CB8AC3E}">
-        <p14:creationId xmlns:p14="http://schemas.microsoft.com/office/powerpoint/2010/main" val="4282642332"/>
+        <p14:creationId xmlns:p14="http://schemas.microsoft.com/office/powerpoint/2010/main" val="886100685"/>
       </p:ext>
     </p:extLst>
   </p:cSld>
@@ -8619,7 +8619,7 @@
           <a:p>
             <a:r>
               <a:rPr lang="en-US" dirty="0"/>
-              <a:t>Health check algorithm</a:t>
+              <a:t>Test results algorithm</a:t>
             </a:r>
           </a:p>
         </p:txBody>
@@ -8648,15 +8648,15 @@
         </p:blipFill>
         <p:spPr>
           <a:xfrm>
-            <a:off x="2785067" y="1270001"/>
-            <a:ext cx="3175058" cy="5588000"/>
+            <a:off x="1945670" y="1270000"/>
+            <a:ext cx="3029998" cy="5588000"/>
           </a:xfrm>
         </p:spPr>
       </p:pic>
     </p:spTree>
     <p:extLst>
       <p:ext uri="{BB962C8B-B14F-4D97-AF65-F5344CB8AC3E}">
-        <p14:creationId xmlns:p14="http://schemas.microsoft.com/office/powerpoint/2010/main" val="2794537676"/>
+        <p14:creationId xmlns:p14="http://schemas.microsoft.com/office/powerpoint/2010/main" val="3797140197"/>
       </p:ext>
     </p:extLst>
   </p:cSld>
